--- a/docs/BIOT-presentation.pptx
+++ b/docs/BIOT-presentation.pptx
@@ -1276,7 +1276,7 @@
           <a:p>
             <a:fld id="{CD6B908E-0691-48E4-8EE5-1391CD2AD60A}" type="datetimeFigureOut">
               <a:rPr lang="en-US" smtClean="0"/>
-              <a:t>6/4/2023</a:t>
+              <a:t>6/5/2023</a:t>
             </a:fld>
             <a:endParaRPr lang="en-US"/>
           </a:p>
@@ -1693,7 +1693,7 @@
           <a:p>
             <a:fld id="{37E34175-05FA-403E-8713-F2F1AFE4DCCC}" type="datetimeFigureOut">
               <a:rPr lang="en-US" smtClean="0"/>
-              <a:t>6/4/2023</a:t>
+              <a:t>6/5/2023</a:t>
             </a:fld>
             <a:endParaRPr lang="en-US"/>
           </a:p>
@@ -1893,7 +1893,7 @@
           <a:p>
             <a:fld id="{37E34175-05FA-403E-8713-F2F1AFE4DCCC}" type="datetimeFigureOut">
               <a:rPr lang="en-US" smtClean="0"/>
-              <a:t>6/4/2023</a:t>
+              <a:t>6/5/2023</a:t>
             </a:fld>
             <a:endParaRPr lang="en-US"/>
           </a:p>
@@ -2103,7 +2103,7 @@
           <a:p>
             <a:fld id="{37E34175-05FA-403E-8713-F2F1AFE4DCCC}" type="datetimeFigureOut">
               <a:rPr lang="en-US" smtClean="0"/>
-              <a:t>6/4/2023</a:t>
+              <a:t>6/5/2023</a:t>
             </a:fld>
             <a:endParaRPr lang="en-US"/>
           </a:p>
@@ -2303,7 +2303,7 @@
           <a:p>
             <a:fld id="{37E34175-05FA-403E-8713-F2F1AFE4DCCC}" type="datetimeFigureOut">
               <a:rPr lang="en-US" smtClean="0"/>
-              <a:t>6/4/2023</a:t>
+              <a:t>6/5/2023</a:t>
             </a:fld>
             <a:endParaRPr lang="en-US"/>
           </a:p>
@@ -2579,7 +2579,7 @@
           <a:p>
             <a:fld id="{37E34175-05FA-403E-8713-F2F1AFE4DCCC}" type="datetimeFigureOut">
               <a:rPr lang="en-US" smtClean="0"/>
-              <a:t>6/4/2023</a:t>
+              <a:t>6/5/2023</a:t>
             </a:fld>
             <a:endParaRPr lang="en-US"/>
           </a:p>
@@ -2847,7 +2847,7 @@
           <a:p>
             <a:fld id="{37E34175-05FA-403E-8713-F2F1AFE4DCCC}" type="datetimeFigureOut">
               <a:rPr lang="en-US" smtClean="0"/>
-              <a:t>6/4/2023</a:t>
+              <a:t>6/5/2023</a:t>
             </a:fld>
             <a:endParaRPr lang="en-US"/>
           </a:p>
@@ -3262,7 +3262,7 @@
           <a:p>
             <a:fld id="{37E34175-05FA-403E-8713-F2F1AFE4DCCC}" type="datetimeFigureOut">
               <a:rPr lang="en-US" smtClean="0"/>
-              <a:t>6/4/2023</a:t>
+              <a:t>6/5/2023</a:t>
             </a:fld>
             <a:endParaRPr lang="en-US"/>
           </a:p>
@@ -3404,7 +3404,7 @@
           <a:p>
             <a:fld id="{37E34175-05FA-403E-8713-F2F1AFE4DCCC}" type="datetimeFigureOut">
               <a:rPr lang="en-US" smtClean="0"/>
-              <a:t>6/4/2023</a:t>
+              <a:t>6/5/2023</a:t>
             </a:fld>
             <a:endParaRPr lang="en-US"/>
           </a:p>
@@ -3517,7 +3517,7 @@
           <a:p>
             <a:fld id="{37E34175-05FA-403E-8713-F2F1AFE4DCCC}" type="datetimeFigureOut">
               <a:rPr lang="en-US" smtClean="0"/>
-              <a:t>6/4/2023</a:t>
+              <a:t>6/5/2023</a:t>
             </a:fld>
             <a:endParaRPr lang="en-US"/>
           </a:p>
@@ -3830,7 +3830,7 @@
           <a:p>
             <a:fld id="{37E34175-05FA-403E-8713-F2F1AFE4DCCC}" type="datetimeFigureOut">
               <a:rPr lang="en-US" smtClean="0"/>
-              <a:t>6/4/2023</a:t>
+              <a:t>6/5/2023</a:t>
             </a:fld>
             <a:endParaRPr lang="en-US"/>
           </a:p>
@@ -4119,7 +4119,7 @@
           <a:p>
             <a:fld id="{37E34175-05FA-403E-8713-F2F1AFE4DCCC}" type="datetimeFigureOut">
               <a:rPr lang="en-US" smtClean="0"/>
-              <a:t>6/4/2023</a:t>
+              <a:t>6/5/2023</a:t>
             </a:fld>
             <a:endParaRPr lang="en-US"/>
           </a:p>
@@ -4362,7 +4362,7 @@
           <a:p>
             <a:fld id="{37E34175-05FA-403E-8713-F2F1AFE4DCCC}" type="datetimeFigureOut">
               <a:rPr lang="en-US" smtClean="0"/>
-              <a:t>6/4/2023</a:t>
+              <a:t>6/5/2023</a:t>
             </a:fld>
             <a:endParaRPr lang="en-US"/>
           </a:p>
@@ -8363,8 +8363,8 @@
         </p:nvSpPr>
         <p:spPr>
           <a:xfrm>
-            <a:off x="5254752" y="4535424"/>
-            <a:ext cx="6099048" cy="1938992"/>
+            <a:off x="5394960" y="5077870"/>
+            <a:ext cx="6099048" cy="707886"/>
           </a:xfrm>
           <a:prstGeom prst="rect">
             <a:avLst/>
@@ -8396,27 +8396,7 @@
                 <a:effectLst/>
                 <a:latin typeface="Söhne"/>
               </a:rPr>
-              <a:t>In this stage, the website is officially launched and made available to the public. It involves optimizing the website for search engines, ensuring it is easily discoverable. Additionally, analytics are set up to track and measure the website's performance, allowing for insights into user </a:t>
-            </a:r>
-            <a:r>
-              <a:rPr lang="en-GB" sz="2000" b="0" i="0" dirty="0" err="1">
-                <a:solidFill>
-                  <a:srgbClr val="D1D5DB"/>
-                </a:solidFill>
-                <a:effectLst/>
-                <a:latin typeface="Söhne"/>
-              </a:rPr>
-              <a:t>behavior</a:t>
-            </a:r>
-            <a:r>
-              <a:rPr lang="en-GB" sz="2000" b="0" i="0" dirty="0">
-                <a:solidFill>
-                  <a:srgbClr val="D1D5DB"/>
-                </a:solidFill>
-                <a:effectLst/>
-                <a:latin typeface="Söhne"/>
-              </a:rPr>
-              <a:t>, traffic, and other key metrics.</a:t>
+              <a:t>In this stage, the website is officially launched and made available to the public. </a:t>
             </a:r>
             <a:endParaRPr lang="en-US" sz="2000" dirty="0"/>
           </a:p>
@@ -8489,7 +8469,7 @@
         </p:nvSpPr>
         <p:spPr>
           <a:xfrm>
-            <a:off x="11353800" y="4535424"/>
+            <a:off x="11337450" y="5077870"/>
             <a:ext cx="470916" cy="484632"/>
           </a:xfrm>
           <a:prstGeom prst="flowChartConnector">
